--- a/계획.pptx
+++ b/계획.pptx
@@ -106,6 +106,11 @@
       </a:defRPr>
     </a:lvl9pPr>
   </p:defaultTextStyle>
+  <p:extLst>
+    <p:ext uri="{EFAFB233-063F-42B5-8137-9DF3F51BA10A}">
+      <p15:sldGuideLst xmlns:p15="http://schemas.microsoft.com/office/powerpoint/2012/main"/>
+    </p:ext>
+  </p:extLst>
 </p:presentation>
 </file>
 
@@ -240,7 +245,7 @@
           <a:p>
             <a:fld id="{BA0C5586-7395-4D17-92E7-1684BBEC3700}" type="datetimeFigureOut">
               <a:rPr lang="ko-KR" altLang="en-US" smtClean="0"/>
-              <a:t>2022-06-14</a:t>
+              <a:t>2022-06-15</a:t>
             </a:fld>
             <a:endParaRPr lang="ko-KR" altLang="en-US"/>
           </a:p>
@@ -410,7 +415,7 @@
           <a:p>
             <a:fld id="{BA0C5586-7395-4D17-92E7-1684BBEC3700}" type="datetimeFigureOut">
               <a:rPr lang="ko-KR" altLang="en-US" smtClean="0"/>
-              <a:t>2022-06-14</a:t>
+              <a:t>2022-06-15</a:t>
             </a:fld>
             <a:endParaRPr lang="ko-KR" altLang="en-US"/>
           </a:p>
@@ -590,7 +595,7 @@
           <a:p>
             <a:fld id="{BA0C5586-7395-4D17-92E7-1684BBEC3700}" type="datetimeFigureOut">
               <a:rPr lang="ko-KR" altLang="en-US" smtClean="0"/>
-              <a:t>2022-06-14</a:t>
+              <a:t>2022-06-15</a:t>
             </a:fld>
             <a:endParaRPr lang="ko-KR" altLang="en-US"/>
           </a:p>
@@ -760,7 +765,7 @@
           <a:p>
             <a:fld id="{BA0C5586-7395-4D17-92E7-1684BBEC3700}" type="datetimeFigureOut">
               <a:rPr lang="ko-KR" altLang="en-US" smtClean="0"/>
-              <a:t>2022-06-14</a:t>
+              <a:t>2022-06-15</a:t>
             </a:fld>
             <a:endParaRPr lang="ko-KR" altLang="en-US"/>
           </a:p>
@@ -1006,7 +1011,7 @@
           <a:p>
             <a:fld id="{BA0C5586-7395-4D17-92E7-1684BBEC3700}" type="datetimeFigureOut">
               <a:rPr lang="ko-KR" altLang="en-US" smtClean="0"/>
-              <a:t>2022-06-14</a:t>
+              <a:t>2022-06-15</a:t>
             </a:fld>
             <a:endParaRPr lang="ko-KR" altLang="en-US"/>
           </a:p>
@@ -1238,7 +1243,7 @@
           <a:p>
             <a:fld id="{BA0C5586-7395-4D17-92E7-1684BBEC3700}" type="datetimeFigureOut">
               <a:rPr lang="ko-KR" altLang="en-US" smtClean="0"/>
-              <a:t>2022-06-14</a:t>
+              <a:t>2022-06-15</a:t>
             </a:fld>
             <a:endParaRPr lang="ko-KR" altLang="en-US"/>
           </a:p>
@@ -1605,7 +1610,7 @@
           <a:p>
             <a:fld id="{BA0C5586-7395-4D17-92E7-1684BBEC3700}" type="datetimeFigureOut">
               <a:rPr lang="ko-KR" altLang="en-US" smtClean="0"/>
-              <a:t>2022-06-14</a:t>
+              <a:t>2022-06-15</a:t>
             </a:fld>
             <a:endParaRPr lang="ko-KR" altLang="en-US"/>
           </a:p>
@@ -1723,7 +1728,7 @@
           <a:p>
             <a:fld id="{BA0C5586-7395-4D17-92E7-1684BBEC3700}" type="datetimeFigureOut">
               <a:rPr lang="ko-KR" altLang="en-US" smtClean="0"/>
-              <a:t>2022-06-14</a:t>
+              <a:t>2022-06-15</a:t>
             </a:fld>
             <a:endParaRPr lang="ko-KR" altLang="en-US"/>
           </a:p>
@@ -1818,7 +1823,7 @@
           <a:p>
             <a:fld id="{BA0C5586-7395-4D17-92E7-1684BBEC3700}" type="datetimeFigureOut">
               <a:rPr lang="ko-KR" altLang="en-US" smtClean="0"/>
-              <a:t>2022-06-14</a:t>
+              <a:t>2022-06-15</a:t>
             </a:fld>
             <a:endParaRPr lang="ko-KR" altLang="en-US"/>
           </a:p>
@@ -2095,7 +2100,7 @@
           <a:p>
             <a:fld id="{BA0C5586-7395-4D17-92E7-1684BBEC3700}" type="datetimeFigureOut">
               <a:rPr lang="ko-KR" altLang="en-US" smtClean="0"/>
-              <a:t>2022-06-14</a:t>
+              <a:t>2022-06-15</a:t>
             </a:fld>
             <a:endParaRPr lang="ko-KR" altLang="en-US"/>
           </a:p>
@@ -2348,7 +2353,7 @@
           <a:p>
             <a:fld id="{BA0C5586-7395-4D17-92E7-1684BBEC3700}" type="datetimeFigureOut">
               <a:rPr lang="ko-KR" altLang="en-US" smtClean="0"/>
-              <a:t>2022-06-14</a:t>
+              <a:t>2022-06-15</a:t>
             </a:fld>
             <a:endParaRPr lang="ko-KR" altLang="en-US"/>
           </a:p>
@@ -2561,7 +2566,7 @@
           <a:p>
             <a:fld id="{BA0C5586-7395-4D17-92E7-1684BBEC3700}" type="datetimeFigureOut">
               <a:rPr lang="ko-KR" altLang="en-US" smtClean="0"/>
-              <a:t>2022-06-14</a:t>
+              <a:t>2022-06-15</a:t>
             </a:fld>
             <a:endParaRPr lang="ko-KR" altLang="en-US"/>
           </a:p>
@@ -3085,7 +3090,7 @@
           <p:nvPr>
             <p:extLst>
               <p:ext uri="{D42A27DB-BD31-4B8C-83A1-F6EECF244321}">
-                <p14:modId xmlns:p14="http://schemas.microsoft.com/office/powerpoint/2010/main" val="594224610"/>
+                <p14:modId xmlns:p14="http://schemas.microsoft.com/office/powerpoint/2010/main" val="3841105538"/>
               </p:ext>
             </p:extLst>
           </p:nvPr>
@@ -3174,10 +3179,10 @@
                         <a:defRPr/>
                       </a:pPr>
                       <a:r>
-                        <a:rPr lang="en-US" altLang="ko-KR" sz="1600" dirty="0" err="1" smtClean="0"/>
+                        <a:rPr lang="en-US" altLang="ko-KR" sz="1000" dirty="0" err="1" smtClean="0"/>
                         <a:t>Mecsolver</a:t>
                       </a:r>
-                      <a:endParaRPr lang="en-US" altLang="ko-KR" sz="1600" dirty="0" smtClean="0"/>
+                      <a:endParaRPr lang="en-US" altLang="ko-KR" sz="1000" dirty="0" smtClean="0"/>
                     </a:p>
                     <a:p>
                       <a:pPr marL="0" marR="0" lvl="0" indent="0" algn="l" defTabSz="914400" rtl="0" eaLnBrk="1" fontAlgn="auto" latinLnBrk="1" hangingPunct="1">
@@ -3198,22 +3203,26 @@
                         <a:defRPr/>
                       </a:pPr>
                       <a:r>
-                        <a:rPr lang="en-US" altLang="ko-KR" sz="1600" dirty="0" smtClean="0"/>
+                        <a:rPr lang="en-US" altLang="ko-KR" sz="1000" dirty="0" smtClean="0"/>
                         <a:t> - Shell</a:t>
                       </a:r>
                       <a:r>
-                        <a:rPr lang="ko-KR" altLang="en-US" sz="1600" dirty="0" smtClean="0"/>
+                        <a:rPr lang="ko-KR" altLang="en-US" sz="1000" dirty="0" smtClean="0"/>
                         <a:t>의 </a:t>
                       </a:r>
                       <a:r>
-                        <a:rPr lang="en-US" altLang="ko-KR" sz="1600" dirty="0" smtClean="0"/>
+                        <a:rPr lang="en-US" altLang="ko-KR" sz="1000" dirty="0" smtClean="0"/>
                         <a:t>element stiffness matrix </a:t>
                       </a:r>
                       <a:r>
-                        <a:rPr lang="ko-KR" altLang="en-US" sz="1600" dirty="0" smtClean="0"/>
-                        <a:t>계산 과정</a:t>
-                      </a:r>
-                      <a:endParaRPr lang="en-US" altLang="ko-KR" sz="1600" dirty="0" smtClean="0"/>
+                        <a:rPr lang="ko-KR" altLang="en-US" sz="1000" dirty="0" smtClean="0"/>
+                        <a:t>계산 </a:t>
+                      </a:r>
+                      <a:r>
+                        <a:rPr lang="ko-KR" altLang="en-US" sz="1000" dirty="0" smtClean="0"/>
+                        <a:t>과정</a:t>
+                      </a:r>
+                      <a:endParaRPr lang="en-US" altLang="ko-KR" sz="1000" dirty="0" smtClean="0"/>
                     </a:p>
                     <a:p>
                       <a:pPr marL="0" marR="0" lvl="0" indent="0" algn="l" defTabSz="914400" rtl="0" eaLnBrk="1" fontAlgn="auto" latinLnBrk="1" hangingPunct="1">
@@ -3234,22 +3243,57 @@
                         <a:defRPr/>
                       </a:pPr>
                       <a:r>
-                        <a:rPr lang="en-US" altLang="ko-KR" sz="1600" dirty="0" smtClean="0"/>
+                        <a:rPr lang="en-US" altLang="ko-KR" sz="1000" dirty="0" smtClean="0"/>
                         <a:t>  - Shell</a:t>
                       </a:r>
                       <a:r>
-                        <a:rPr lang="ko-KR" altLang="en-US" sz="1600" dirty="0" smtClean="0"/>
+                        <a:rPr lang="ko-KR" altLang="en-US" sz="1000" dirty="0" smtClean="0"/>
                         <a:t>의 </a:t>
                       </a:r>
                       <a:r>
-                        <a:rPr lang="en-US" altLang="ko-KR" sz="1600" dirty="0" smtClean="0"/>
+                        <a:rPr lang="en-US" altLang="ko-KR" sz="1000" dirty="0" smtClean="0"/>
+                        <a:t>elasticity tensor </a:t>
+                      </a:r>
+                      <a:r>
+                        <a:rPr lang="ko-KR" altLang="en-US" sz="1000" dirty="0" smtClean="0"/>
+                        <a:t>계산 과정</a:t>
+                      </a:r>
+                      <a:endParaRPr lang="en-US" altLang="ko-KR" sz="1000" dirty="0" smtClean="0"/>
+                    </a:p>
+                    <a:p>
+                      <a:pPr marL="0" marR="0" lvl="0" indent="0" algn="l" defTabSz="914400" rtl="0" eaLnBrk="1" fontAlgn="auto" latinLnBrk="1" hangingPunct="1">
+                        <a:lnSpc>
+                          <a:spcPct val="100000"/>
+                        </a:lnSpc>
+                        <a:spcBef>
+                          <a:spcPts val="0"/>
+                        </a:spcBef>
+                        <a:spcAft>
+                          <a:spcPts val="0"/>
+                        </a:spcAft>
+                        <a:buClrTx/>
+                        <a:buSzTx/>
+                        <a:buFontTx/>
+                        <a:buNone/>
+                        <a:tabLst/>
+                        <a:defRPr/>
+                      </a:pPr>
+                      <a:r>
+                        <a:rPr lang="en-US" altLang="ko-KR" sz="1000" dirty="0" smtClean="0"/>
+                        <a:t>  - Shell</a:t>
+                      </a:r>
+                      <a:r>
+                        <a:rPr lang="ko-KR" altLang="en-US" sz="1000" dirty="0" smtClean="0"/>
+                        <a:t>의 </a:t>
+                      </a:r>
+                      <a:r>
+                        <a:rPr lang="en-US" altLang="ko-KR" sz="1000" dirty="0" smtClean="0"/>
                         <a:t>B matrix </a:t>
                       </a:r>
                       <a:r>
-                        <a:rPr lang="ko-KR" altLang="en-US" sz="1600" dirty="0" smtClean="0"/>
+                        <a:rPr lang="ko-KR" altLang="en-US" sz="1000" dirty="0" smtClean="0"/>
                         <a:t>계산 과정</a:t>
                       </a:r>
-                      <a:endParaRPr lang="ko-KR" altLang="en-US" sz="1600" dirty="0" smtClean="0"/>
                     </a:p>
                   </a:txBody>
                   <a:tcPr anchor="ctr"/>
@@ -3334,22 +3378,22 @@
                     <a:p>
                       <a:pPr latinLnBrk="1"/>
                       <a:r>
-                        <a:rPr lang="en-US" altLang="ko-KR" sz="1600" dirty="0" smtClean="0"/>
+                        <a:rPr lang="en-US" altLang="ko-KR" sz="1000" dirty="0" smtClean="0"/>
                         <a:t>2004 MITC isotropic triangular shell finite element </a:t>
                       </a:r>
                       <a:r>
-                        <a:rPr lang="ko-KR" altLang="en-US" sz="1600" dirty="0" smtClean="0"/>
+                        <a:rPr lang="ko-KR" altLang="en-US" sz="1000" dirty="0" smtClean="0"/>
                         <a:t>논문</a:t>
                       </a:r>
                       <a:r>
-                        <a:rPr lang="en-US" altLang="ko-KR" sz="1600" dirty="0" smtClean="0"/>
+                        <a:rPr lang="en-US" altLang="ko-KR" sz="1000" dirty="0" smtClean="0"/>
                         <a:t> </a:t>
                       </a:r>
                       <a:r>
-                        <a:rPr lang="ko-KR" altLang="en-US" sz="1600" dirty="0" smtClean="0"/>
+                        <a:rPr lang="ko-KR" altLang="en-US" sz="1000" dirty="0" smtClean="0"/>
                         <a:t>정리 및 이해</a:t>
                       </a:r>
-                      <a:endParaRPr lang="ko-KR" altLang="en-US" sz="1600" dirty="0"/>
+                      <a:endParaRPr lang="ko-KR" altLang="en-US" sz="1000" dirty="0"/>
                     </a:p>
                   </a:txBody>
                   <a:tcPr anchor="ctr"/>
@@ -3466,18 +3510,14 @@
                         <a:defRPr/>
                       </a:pPr>
                       <a:r>
-                        <a:rPr lang="en-US" altLang="ko-KR" sz="1600" dirty="0" smtClean="0"/>
-                        <a:t>2014 MITC3</a:t>
-                      </a:r>
-                      <a:r>
-                        <a:rPr lang="en-US" altLang="ko-KR" sz="1600" dirty="0" smtClean="0"/>
-                        <a:t>+ </a:t>
-                      </a:r>
-                      <a:r>
-                        <a:rPr lang="ko-KR" altLang="en-US" sz="1600" dirty="0" smtClean="0"/>
+                        <a:rPr lang="en-US" altLang="ko-KR" sz="1000" dirty="0" smtClean="0"/>
+                        <a:t>2014 MITC3+ </a:t>
+                      </a:r>
+                      <a:r>
+                        <a:rPr lang="ko-KR" altLang="en-US" sz="1000" dirty="0" smtClean="0"/>
                         <a:t>논문 정리 및 수식화</a:t>
                       </a:r>
-                      <a:endParaRPr lang="ko-KR" altLang="en-US" sz="1600" dirty="0"/>
+                      <a:endParaRPr lang="ko-KR" altLang="en-US" sz="1000" dirty="0"/>
                     </a:p>
                   </a:txBody>
                   <a:tcPr anchor="ctr"/>
@@ -3561,18 +3601,14 @@
                     <a:p>
                       <a:pPr latinLnBrk="1"/>
                       <a:r>
-                        <a:rPr lang="en-US" altLang="ko-KR" sz="1600" dirty="0" smtClean="0"/>
+                        <a:rPr lang="en-US" altLang="ko-KR" sz="1000" dirty="0" smtClean="0"/>
                         <a:t>MITC3+ </a:t>
                       </a:r>
                       <a:r>
-                        <a:rPr lang="ko-KR" altLang="en-US" sz="1600" dirty="0" smtClean="0"/>
-                        <a:t>구현 및 </a:t>
-                      </a:r>
-                      <a:r>
-                        <a:rPr lang="ko-KR" altLang="en-US" sz="1600" dirty="0" smtClean="0"/>
-                        <a:t>검증 </a:t>
-                      </a:r>
-                      <a:endParaRPr lang="ko-KR" altLang="en-US" sz="1600" dirty="0"/>
+                        <a:rPr lang="ko-KR" altLang="en-US" sz="1000" dirty="0" smtClean="0"/>
+                        <a:t>구현 및 검증 </a:t>
+                      </a:r>
+                      <a:endParaRPr lang="ko-KR" altLang="en-US" sz="1000" dirty="0"/>
                     </a:p>
                   </a:txBody>
                   <a:tcPr anchor="ctr"/>
@@ -3717,14 +3753,14 @@
                         <a:defRPr/>
                       </a:pPr>
                       <a:r>
-                        <a:rPr lang="en-US" altLang="ko-KR" sz="1600" dirty="0" smtClean="0"/>
+                        <a:rPr lang="en-US" altLang="ko-KR" sz="1000" dirty="0" smtClean="0"/>
                         <a:t>2017 new 4-node MITC </a:t>
                       </a:r>
                       <a:r>
-                        <a:rPr lang="ko-KR" altLang="en-US" sz="1600" dirty="0" smtClean="0"/>
+                        <a:rPr lang="ko-KR" altLang="en-US" sz="1000" dirty="0" smtClean="0"/>
                         <a:t>논문 정리 및 이해</a:t>
                       </a:r>
-                      <a:endParaRPr lang="ko-KR" altLang="en-US" sz="1600" dirty="0"/>
+                      <a:endParaRPr lang="ko-KR" altLang="en-US" sz="1000" dirty="0"/>
                     </a:p>
                   </a:txBody>
                   <a:tcPr anchor="ctr"/>
@@ -3796,14 +3832,14 @@
                         <a:defRPr/>
                       </a:pPr>
                       <a:r>
-                        <a:rPr lang="en-US" altLang="ko-KR" sz="1600" dirty="0" smtClean="0"/>
+                        <a:rPr lang="en-US" altLang="ko-KR" sz="1000" dirty="0" smtClean="0"/>
                         <a:t>2017 new MITC4+ </a:t>
                       </a:r>
                       <a:r>
-                        <a:rPr lang="ko-KR" altLang="en-US" sz="1600" dirty="0" smtClean="0"/>
+                        <a:rPr lang="ko-KR" altLang="en-US" sz="1000" dirty="0" smtClean="0"/>
                         <a:t>논문 정리 및 수식화</a:t>
                       </a:r>
-                      <a:endParaRPr lang="ko-KR" altLang="en-US" sz="1600" dirty="0"/>
+                      <a:endParaRPr lang="ko-KR" altLang="en-US" sz="1000" dirty="0"/>
                     </a:p>
                   </a:txBody>
                   <a:tcPr anchor="ctr"/>
@@ -3860,11 +3896,11 @@
                     <a:p>
                       <a:pPr latinLnBrk="1"/>
                       <a:r>
-                        <a:rPr lang="en-US" altLang="ko-KR" sz="1600" dirty="0" smtClean="0"/>
+                        <a:rPr lang="en-US" altLang="ko-KR" sz="1000" dirty="0" smtClean="0"/>
                         <a:t>MITC4+ </a:t>
                       </a:r>
                       <a:r>
-                        <a:rPr lang="ko-KR" altLang="en-US" sz="1600" dirty="0" smtClean="0"/>
+                        <a:rPr lang="ko-KR" altLang="en-US" sz="1000" dirty="0" smtClean="0"/>
                         <a:t>구현</a:t>
                       </a:r>
                     </a:p>

--- a/계획.pptx
+++ b/계획.pptx
@@ -245,7 +245,7 @@
           <a:p>
             <a:fld id="{BA0C5586-7395-4D17-92E7-1684BBEC3700}" type="datetimeFigureOut">
               <a:rPr lang="ko-KR" altLang="en-US" smtClean="0"/>
-              <a:t>2022-06-15</a:t>
+              <a:t>2022-06-16</a:t>
             </a:fld>
             <a:endParaRPr lang="ko-KR" altLang="en-US"/>
           </a:p>
@@ -415,7 +415,7 @@
           <a:p>
             <a:fld id="{BA0C5586-7395-4D17-92E7-1684BBEC3700}" type="datetimeFigureOut">
               <a:rPr lang="ko-KR" altLang="en-US" smtClean="0"/>
-              <a:t>2022-06-15</a:t>
+              <a:t>2022-06-16</a:t>
             </a:fld>
             <a:endParaRPr lang="ko-KR" altLang="en-US"/>
           </a:p>
@@ -595,7 +595,7 @@
           <a:p>
             <a:fld id="{BA0C5586-7395-4D17-92E7-1684BBEC3700}" type="datetimeFigureOut">
               <a:rPr lang="ko-KR" altLang="en-US" smtClean="0"/>
-              <a:t>2022-06-15</a:t>
+              <a:t>2022-06-16</a:t>
             </a:fld>
             <a:endParaRPr lang="ko-KR" altLang="en-US"/>
           </a:p>
@@ -765,7 +765,7 @@
           <a:p>
             <a:fld id="{BA0C5586-7395-4D17-92E7-1684BBEC3700}" type="datetimeFigureOut">
               <a:rPr lang="ko-KR" altLang="en-US" smtClean="0"/>
-              <a:t>2022-06-15</a:t>
+              <a:t>2022-06-16</a:t>
             </a:fld>
             <a:endParaRPr lang="ko-KR" altLang="en-US"/>
           </a:p>
@@ -1011,7 +1011,7 @@
           <a:p>
             <a:fld id="{BA0C5586-7395-4D17-92E7-1684BBEC3700}" type="datetimeFigureOut">
               <a:rPr lang="ko-KR" altLang="en-US" smtClean="0"/>
-              <a:t>2022-06-15</a:t>
+              <a:t>2022-06-16</a:t>
             </a:fld>
             <a:endParaRPr lang="ko-KR" altLang="en-US"/>
           </a:p>
@@ -1243,7 +1243,7 @@
           <a:p>
             <a:fld id="{BA0C5586-7395-4D17-92E7-1684BBEC3700}" type="datetimeFigureOut">
               <a:rPr lang="ko-KR" altLang="en-US" smtClean="0"/>
-              <a:t>2022-06-15</a:t>
+              <a:t>2022-06-16</a:t>
             </a:fld>
             <a:endParaRPr lang="ko-KR" altLang="en-US"/>
           </a:p>
@@ -1610,7 +1610,7 @@
           <a:p>
             <a:fld id="{BA0C5586-7395-4D17-92E7-1684BBEC3700}" type="datetimeFigureOut">
               <a:rPr lang="ko-KR" altLang="en-US" smtClean="0"/>
-              <a:t>2022-06-15</a:t>
+              <a:t>2022-06-16</a:t>
             </a:fld>
             <a:endParaRPr lang="ko-KR" altLang="en-US"/>
           </a:p>
@@ -1728,7 +1728,7 @@
           <a:p>
             <a:fld id="{BA0C5586-7395-4D17-92E7-1684BBEC3700}" type="datetimeFigureOut">
               <a:rPr lang="ko-KR" altLang="en-US" smtClean="0"/>
-              <a:t>2022-06-15</a:t>
+              <a:t>2022-06-16</a:t>
             </a:fld>
             <a:endParaRPr lang="ko-KR" altLang="en-US"/>
           </a:p>
@@ -1823,7 +1823,7 @@
           <a:p>
             <a:fld id="{BA0C5586-7395-4D17-92E7-1684BBEC3700}" type="datetimeFigureOut">
               <a:rPr lang="ko-KR" altLang="en-US" smtClean="0"/>
-              <a:t>2022-06-15</a:t>
+              <a:t>2022-06-16</a:t>
             </a:fld>
             <a:endParaRPr lang="ko-KR" altLang="en-US"/>
           </a:p>
@@ -2100,7 +2100,7 @@
           <a:p>
             <a:fld id="{BA0C5586-7395-4D17-92E7-1684BBEC3700}" type="datetimeFigureOut">
               <a:rPr lang="ko-KR" altLang="en-US" smtClean="0"/>
-              <a:t>2022-06-15</a:t>
+              <a:t>2022-06-16</a:t>
             </a:fld>
             <a:endParaRPr lang="ko-KR" altLang="en-US"/>
           </a:p>
@@ -2353,7 +2353,7 @@
           <a:p>
             <a:fld id="{BA0C5586-7395-4D17-92E7-1684BBEC3700}" type="datetimeFigureOut">
               <a:rPr lang="ko-KR" altLang="en-US" smtClean="0"/>
-              <a:t>2022-06-15</a:t>
+              <a:t>2022-06-16</a:t>
             </a:fld>
             <a:endParaRPr lang="ko-KR" altLang="en-US"/>
           </a:p>
@@ -2566,7 +2566,7 @@
           <a:p>
             <a:fld id="{BA0C5586-7395-4D17-92E7-1684BBEC3700}" type="datetimeFigureOut">
               <a:rPr lang="ko-KR" altLang="en-US" smtClean="0"/>
-              <a:t>2022-06-15</a:t>
+              <a:t>2022-06-16</a:t>
             </a:fld>
             <a:endParaRPr lang="ko-KR" altLang="en-US"/>
           </a:p>
@@ -3090,7 +3090,7 @@
           <p:nvPr>
             <p:extLst>
               <p:ext uri="{D42A27DB-BD31-4B8C-83A1-F6EECF244321}">
-                <p14:modId xmlns:p14="http://schemas.microsoft.com/office/powerpoint/2010/main" val="3841105538"/>
+                <p14:modId xmlns:p14="http://schemas.microsoft.com/office/powerpoint/2010/main" val="1629703132"/>
               </p:ext>
             </p:extLst>
           </p:nvPr>
@@ -3216,11 +3216,7 @@
                       </a:r>
                       <a:r>
                         <a:rPr lang="ko-KR" altLang="en-US" sz="1000" dirty="0" smtClean="0"/>
-                        <a:t>계산 </a:t>
-                      </a:r>
-                      <a:r>
-                        <a:rPr lang="ko-KR" altLang="en-US" sz="1000" dirty="0" smtClean="0"/>
-                        <a:t>과정</a:t>
+                        <a:t>계산 과정</a:t>
                       </a:r>
                       <a:endParaRPr lang="en-US" altLang="ko-KR" sz="1000" dirty="0" smtClean="0"/>
                     </a:p>
